--- a/2-2_Regularization.pptx
+++ b/2-2_Regularization.pptx
@@ -271,7 +271,7 @@
           <a:p>
             <a:fld id="{E3FC4A22-71F5-486E-8512-5F9DA9676D58}" type="datetimeFigureOut">
               <a:rPr lang="ko-KR" altLang="en-US" smtClean="0"/>
-              <a:t>2022-03-30</a:t>
+              <a:t>2022-03-31</a:t>
             </a:fld>
             <a:endParaRPr lang="ko-KR" altLang="en-US"/>
           </a:p>
@@ -469,7 +469,7 @@
           <a:p>
             <a:fld id="{E3FC4A22-71F5-486E-8512-5F9DA9676D58}" type="datetimeFigureOut">
               <a:rPr lang="ko-KR" altLang="en-US" smtClean="0"/>
-              <a:t>2022-03-30</a:t>
+              <a:t>2022-03-31</a:t>
             </a:fld>
             <a:endParaRPr lang="ko-KR" altLang="en-US"/>
           </a:p>
@@ -677,7 +677,7 @@
           <a:p>
             <a:fld id="{E3FC4A22-71F5-486E-8512-5F9DA9676D58}" type="datetimeFigureOut">
               <a:rPr lang="ko-KR" altLang="en-US" smtClean="0"/>
-              <a:t>2022-03-30</a:t>
+              <a:t>2022-03-31</a:t>
             </a:fld>
             <a:endParaRPr lang="ko-KR" altLang="en-US"/>
           </a:p>
@@ -875,7 +875,7 @@
           <a:p>
             <a:fld id="{E3FC4A22-71F5-486E-8512-5F9DA9676D58}" type="datetimeFigureOut">
               <a:rPr lang="ko-KR" altLang="en-US" smtClean="0"/>
-              <a:t>2022-03-30</a:t>
+              <a:t>2022-03-31</a:t>
             </a:fld>
             <a:endParaRPr lang="ko-KR" altLang="en-US"/>
           </a:p>
@@ -1150,7 +1150,7 @@
           <a:p>
             <a:fld id="{E3FC4A22-71F5-486E-8512-5F9DA9676D58}" type="datetimeFigureOut">
               <a:rPr lang="ko-KR" altLang="en-US" smtClean="0"/>
-              <a:t>2022-03-30</a:t>
+              <a:t>2022-03-31</a:t>
             </a:fld>
             <a:endParaRPr lang="ko-KR" altLang="en-US"/>
           </a:p>
@@ -1415,7 +1415,7 @@
           <a:p>
             <a:fld id="{E3FC4A22-71F5-486E-8512-5F9DA9676D58}" type="datetimeFigureOut">
               <a:rPr lang="ko-KR" altLang="en-US" smtClean="0"/>
-              <a:t>2022-03-30</a:t>
+              <a:t>2022-03-31</a:t>
             </a:fld>
             <a:endParaRPr lang="ko-KR" altLang="en-US"/>
           </a:p>
@@ -1827,7 +1827,7 @@
           <a:p>
             <a:fld id="{E3FC4A22-71F5-486E-8512-5F9DA9676D58}" type="datetimeFigureOut">
               <a:rPr lang="ko-KR" altLang="en-US" smtClean="0"/>
-              <a:t>2022-03-30</a:t>
+              <a:t>2022-03-31</a:t>
             </a:fld>
             <a:endParaRPr lang="ko-KR" altLang="en-US"/>
           </a:p>
@@ -1968,7 +1968,7 @@
           <a:p>
             <a:fld id="{E3FC4A22-71F5-486E-8512-5F9DA9676D58}" type="datetimeFigureOut">
               <a:rPr lang="ko-KR" altLang="en-US" smtClean="0"/>
-              <a:t>2022-03-30</a:t>
+              <a:t>2022-03-31</a:t>
             </a:fld>
             <a:endParaRPr lang="ko-KR" altLang="en-US"/>
           </a:p>
@@ -2081,7 +2081,7 @@
           <a:p>
             <a:fld id="{E3FC4A22-71F5-486E-8512-5F9DA9676D58}" type="datetimeFigureOut">
               <a:rPr lang="ko-KR" altLang="en-US" smtClean="0"/>
-              <a:t>2022-03-30</a:t>
+              <a:t>2022-03-31</a:t>
             </a:fld>
             <a:endParaRPr lang="ko-KR" altLang="en-US"/>
           </a:p>
@@ -2392,7 +2392,7 @@
           <a:p>
             <a:fld id="{E3FC4A22-71F5-486E-8512-5F9DA9676D58}" type="datetimeFigureOut">
               <a:rPr lang="ko-KR" altLang="en-US" smtClean="0"/>
-              <a:t>2022-03-30</a:t>
+              <a:t>2022-03-31</a:t>
             </a:fld>
             <a:endParaRPr lang="ko-KR" altLang="en-US"/>
           </a:p>
@@ -2680,7 +2680,7 @@
           <a:p>
             <a:fld id="{E3FC4A22-71F5-486E-8512-5F9DA9676D58}" type="datetimeFigureOut">
               <a:rPr lang="ko-KR" altLang="en-US" smtClean="0"/>
-              <a:t>2022-03-30</a:t>
+              <a:t>2022-03-31</a:t>
             </a:fld>
             <a:endParaRPr lang="ko-KR" altLang="en-US"/>
           </a:p>
@@ -2921,7 +2921,7 @@
           <a:p>
             <a:fld id="{E3FC4A22-71F5-486E-8512-5F9DA9676D58}" type="datetimeFigureOut">
               <a:rPr lang="ko-KR" altLang="en-US" smtClean="0"/>
-              <a:t>2022-03-30</a:t>
+              <a:t>2022-03-31</a:t>
             </a:fld>
             <a:endParaRPr lang="ko-KR" altLang="en-US"/>
           </a:p>
@@ -3527,7 +3527,6 @@
                 <a:solidFill>
                   <a:srgbClr val="000000"/>
                 </a:solidFill>
-                <a:latin typeface="noto"/>
               </a:rPr>
               <a:t>learn</a:t>
             </a:r>
@@ -3537,7 +3536,6 @@
                   <a:srgbClr val="000000"/>
                 </a:solidFill>
                 <a:effectLst/>
-                <a:latin typeface="noto"/>
               </a:rPr>
               <a:t> as a dependent variable of 6th-order learning outcomes and learning data</a:t>
             </a:r>
@@ -3682,16 +3680,21 @@
               <a:p>
                 <a:r>
                   <a:rPr lang="en-US" altLang="ko-KR" dirty="0"/>
-                  <a:t>Adjust normalization strength with </a:t>
+                  <a:t>Adjust normalization strength with</a:t>
                 </a:r>
                 <a14:m>
                   <m:oMath xmlns:m="http://schemas.openxmlformats.org/officeDocument/2006/math">
                     <m:r>
-                      <a:rPr lang="en-US" altLang="ko-KR" sz="4400" b="0" i="1" smtClean="0">
+                      <a:rPr lang="en-US" altLang="ko-KR" b="0" i="0" smtClean="0">
                         <a:latin typeface="Cambria Math" panose="02040503050406030204" pitchFamily="18" charset="0"/>
-                        <a:ea typeface="Cambria Math" panose="02040503050406030204" pitchFamily="18" charset="0"/>
                       </a:rPr>
-                      <m:t>𝜕</m:t>
+                      <m:t> </m:t>
+                    </m:r>
+                    <m:r>
+                      <a:rPr lang="ko-KR" altLang="en-US" i="1">
+                        <a:latin typeface="Cambria Math" panose="02040503050406030204" pitchFamily="18" charset="0"/>
+                      </a:rPr>
+                      <m:t>𝛼</m:t>
                     </m:r>
                   </m:oMath>
                 </a14:m>
@@ -3773,20 +3776,25 @@
                   </a:rPr>
                   <a:t>If the</a:t>
                 </a:r>
-                <a:r>
-                  <a:rPr lang="en-US" altLang="ko-KR" sz="2800" b="0" dirty="0">
-                    <a:ea typeface="Cambria Math" panose="02040503050406030204" pitchFamily="18" charset="0"/>
-                  </a:rPr>
-                  <a:t> </a:t>
-                </a:r>
                 <a14:m>
                   <m:oMath xmlns:m="http://schemas.openxmlformats.org/officeDocument/2006/math">
                     <m:r>
-                      <a:rPr lang="en-US" altLang="ko-KR" sz="2800" b="0" i="1" smtClean="0">
+                      <a:rPr lang="en-US" altLang="ko-KR" b="0" i="0" smtClean="0">
                         <a:latin typeface="Cambria Math" panose="02040503050406030204" pitchFamily="18" charset="0"/>
-                        <a:ea typeface="Cambria Math" panose="02040503050406030204" pitchFamily="18" charset="0"/>
                       </a:rPr>
-                      <m:t>𝜕</m:t>
+                      <m:t> </m:t>
+                    </m:r>
+                    <m:r>
+                      <a:rPr lang="ko-KR" altLang="en-US" i="1">
+                        <a:latin typeface="Cambria Math" panose="02040503050406030204" pitchFamily="18" charset="0"/>
+                      </a:rPr>
+                      <m:t>𝛼</m:t>
+                    </m:r>
+                    <m:r>
+                      <a:rPr lang="en-US" altLang="ko-KR" b="0" i="1" smtClean="0">
+                        <a:latin typeface="Cambria Math" panose="02040503050406030204" pitchFamily="18" charset="0"/>
+                      </a:rPr>
+                      <m:t> </m:t>
                     </m:r>
                   </m:oMath>
                 </a14:m>
@@ -3798,7 +3806,7 @@
                     <a:effectLst/>
                     <a:latin typeface="noto"/>
                   </a:rPr>
-                  <a:t> value is large, the increase in learning parameters decreases and the graph shape becomes simple.</a:t>
+                  <a:t>value is large, the increase in learning parameters decreases and the graph shape becomes simple.</a:t>
                 </a:r>
               </a:p>
               <a:p>
@@ -3810,16 +3818,27 @@
                     <a:effectLst/>
                     <a:latin typeface="noto"/>
                   </a:rPr>
-                  <a:t>Conversely, if the </a:t>
+                  <a:t>Conversely, if the</a:t>
                 </a:r>
                 <a14:m>
                   <m:oMath xmlns:m="http://schemas.openxmlformats.org/officeDocument/2006/math">
                     <m:r>
-                      <a:rPr lang="en-US" altLang="ko-KR" sz="2800" b="0" i="1" smtClean="0">
+                      <a:rPr lang="en-US" altLang="ko-KR" b="0" i="0" smtClean="0">
                         <a:latin typeface="Cambria Math" panose="02040503050406030204" pitchFamily="18" charset="0"/>
-                        <a:ea typeface="Cambria Math" panose="02040503050406030204" pitchFamily="18" charset="0"/>
                       </a:rPr>
-                      <m:t>𝜕</m:t>
+                      <m:t> </m:t>
+                    </m:r>
+                    <m:r>
+                      <a:rPr lang="ko-KR" altLang="en-US" i="1">
+                        <a:latin typeface="Cambria Math" panose="02040503050406030204" pitchFamily="18" charset="0"/>
+                      </a:rPr>
+                      <m:t>𝛼</m:t>
+                    </m:r>
+                    <m:r>
+                      <a:rPr lang="en-US" altLang="ko-KR" b="0" i="1" smtClean="0">
+                        <a:latin typeface="Cambria Math" panose="02040503050406030204" pitchFamily="18" charset="0"/>
+                      </a:rPr>
+                      <m:t> </m:t>
                     </m:r>
                   </m:oMath>
                 </a14:m>
@@ -3831,7 +3850,7 @@
                     <a:effectLst/>
                     <a:latin typeface="noto"/>
                   </a:rPr>
-                  <a:t> value is small, a penalty when the absolute value of the learning parameter increases is hardly given, making the model complicated.</a:t>
+                  <a:t>value is small, a penalty when the absolute value of the learning parameter increases is hardly given, making the model complicated.</a:t>
                 </a:r>
               </a:p>
               <a:p>
@@ -3843,16 +3862,27 @@
                     <a:effectLst/>
                     <a:latin typeface="noto"/>
                   </a:rPr>
-                  <a:t>If </a:t>
+                  <a:t>If</a:t>
                 </a:r>
                 <a14:m>
                   <m:oMath xmlns:m="http://schemas.openxmlformats.org/officeDocument/2006/math">
                     <m:r>
-                      <a:rPr lang="en-US" altLang="ko-KR" sz="2800" b="0" i="1" smtClean="0">
+                      <a:rPr lang="en-US" altLang="ko-KR" b="0" i="0" smtClean="0">
                         <a:latin typeface="Cambria Math" panose="02040503050406030204" pitchFamily="18" charset="0"/>
-                        <a:ea typeface="Cambria Math" panose="02040503050406030204" pitchFamily="18" charset="0"/>
                       </a:rPr>
-                      <m:t>𝜕</m:t>
+                      <m:t> </m:t>
+                    </m:r>
+                    <m:r>
+                      <a:rPr lang="ko-KR" altLang="en-US" i="1">
+                        <a:latin typeface="Cambria Math" panose="02040503050406030204" pitchFamily="18" charset="0"/>
+                      </a:rPr>
+                      <m:t>𝛼</m:t>
+                    </m:r>
+                    <m:r>
+                      <a:rPr lang="en-US" altLang="ko-KR" b="0" i="1" smtClean="0">
+                        <a:latin typeface="Cambria Math" panose="02040503050406030204" pitchFamily="18" charset="0"/>
+                      </a:rPr>
+                      <m:t> </m:t>
                     </m:r>
                   </m:oMath>
                 </a14:m>
@@ -3864,7 +3894,7 @@
                     <a:effectLst/>
                     <a:latin typeface="noto"/>
                   </a:rPr>
-                  <a:t> = 0, it is the same state as linear regression without normalization.</a:t>
+                  <a:t>= 0, it is the same state as linear regression without normalization.</a:t>
                 </a:r>
                 <a:endParaRPr lang="ko-KR" altLang="en-US" dirty="0"/>
               </a:p>
@@ -3892,7 +3922,7 @@
               <a:blipFill>
                 <a:blip r:embed="rId3"/>
                 <a:stretch>
-                  <a:fillRect l="-1043" t="-2241" r="-2029"/>
+                  <a:fillRect l="-1043" t="-2241" r="-2087"/>
                 </a:stretch>
               </a:blipFill>
             </p:spPr>
@@ -4432,11 +4462,10 @@
                       <m:t>+</m:t>
                     </m:r>
                     <m:r>
-                      <a:rPr lang="en-US" altLang="ko-KR" sz="2800" b="0" i="1" smtClean="0">
+                      <a:rPr lang="ko-KR" altLang="en-US" i="1">
                         <a:latin typeface="Cambria Math" panose="02040503050406030204" pitchFamily="18" charset="0"/>
-                        <a:ea typeface="Cambria Math" panose="02040503050406030204" pitchFamily="18" charset="0"/>
                       </a:rPr>
-                      <m:t>𝜕</m:t>
+                      <m:t>𝛼</m:t>
                     </m:r>
                     <m:r>
                       <a:rPr lang="en-US" altLang="ko-KR" sz="2800" b="0" i="1" smtClean="0">
@@ -6250,8 +6279,8 @@
           </a:prstGeom>
         </p:spPr>
       </p:pic>
-      <mc:AlternateContent xmlns:mc="http://schemas.openxmlformats.org/markup-compatibility/2006">
-        <mc:Choice xmlns:a14="http://schemas.microsoft.com/office/drawing/2010/main" Requires="a14">
+      <mc:AlternateContent xmlns:mc="http://schemas.openxmlformats.org/markup-compatibility/2006" xmlns:a14="http://schemas.microsoft.com/office/drawing/2010/main">
+        <mc:Choice Requires="a14">
           <p:graphicFrame>
             <p:nvGraphicFramePr>
               <p:cNvPr id="7" name="표 8">
@@ -7249,7 +7278,7 @@
             </a:graphic>
           </p:graphicFrame>
         </mc:Choice>
-        <mc:Fallback>
+        <mc:Fallback xmlns="">
           <p:graphicFrame>
             <p:nvGraphicFramePr>
               <p:cNvPr id="7" name="표 8">
@@ -8211,8 +8240,8 @@
           </a:prstGeom>
         </p:spPr>
       </p:pic>
-      <mc:AlternateContent xmlns:mc="http://schemas.openxmlformats.org/markup-compatibility/2006">
-        <mc:Choice xmlns:a14="http://schemas.microsoft.com/office/drawing/2010/main" Requires="a14">
+      <mc:AlternateContent xmlns:mc="http://schemas.openxmlformats.org/markup-compatibility/2006" xmlns:a14="http://schemas.microsoft.com/office/drawing/2010/main">
+        <mc:Choice Requires="a14">
           <p:graphicFrame>
             <p:nvGraphicFramePr>
               <p:cNvPr id="7" name="표 8">
@@ -9337,7 +9366,7 @@
             </a:graphic>
           </p:graphicFrame>
         </mc:Choice>
-        <mc:Fallback>
+        <mc:Fallback xmlns="">
           <p:graphicFrame>
             <p:nvGraphicFramePr>
               <p:cNvPr id="7" name="표 8">
@@ -10568,11 +10597,10 @@
                       <m:t>+</m:t>
                     </m:r>
                     <m:r>
-                      <a:rPr lang="en-US" altLang="ko-KR" sz="2800" b="0" i="1" smtClean="0">
+                      <a:rPr lang="ko-KR" altLang="en-US" sz="2800" b="0" i="1" smtClean="0">
                         <a:latin typeface="Cambria Math" panose="02040503050406030204" pitchFamily="18" charset="0"/>
-                        <a:ea typeface="Cambria Math" panose="02040503050406030204" pitchFamily="18" charset="0"/>
                       </a:rPr>
-                      <m:t>𝜕</m:t>
+                      <m:t>𝛼</m:t>
                     </m:r>
                     <m:r>
                       <a:rPr lang="en-US" altLang="ko-KR" sz="2800" b="0" i="1" smtClean="0">
@@ -10883,11 +10911,10 @@
                 <a14:m>
                   <m:oMath xmlns:m="http://schemas.openxmlformats.org/officeDocument/2006/math">
                     <m:r>
-                      <a:rPr lang="en-US" altLang="ko-KR" sz="2800" b="0" i="1" smtClean="0">
+                      <a:rPr lang="ko-KR" altLang="en-US" i="1">
                         <a:latin typeface="Cambria Math" panose="02040503050406030204" pitchFamily="18" charset="0"/>
-                        <a:ea typeface="Cambria Math" panose="02040503050406030204" pitchFamily="18" charset="0"/>
                       </a:rPr>
-                      <m:t>𝜕</m:t>
+                      <m:t>𝛼</m:t>
                     </m:r>
                     <m:r>
                       <a:rPr lang="en-US" altLang="ko-KR" sz="2800" b="0" i="1" smtClean="0">
@@ -10981,16 +11008,15 @@
                 <a14:m>
                   <m:oMath xmlns:m="http://schemas.openxmlformats.org/officeDocument/2006/math">
                     <m:r>
-                      <a:rPr lang="en-US" altLang="ko-KR" sz="2800" b="0" i="1" smtClean="0">
+                      <a:rPr lang="ko-KR" altLang="en-US" i="1">
                         <a:latin typeface="Cambria Math" panose="02040503050406030204" pitchFamily="18" charset="0"/>
-                        <a:ea typeface="Cambria Math" panose="02040503050406030204" pitchFamily="18" charset="0"/>
                       </a:rPr>
-                      <m:t>𝜕</m:t>
+                      <m:t>𝛼</m:t>
                     </m:r>
                     <m:d>
                       <m:dPr>
                         <m:ctrlPr>
-                          <a:rPr lang="en-US" altLang="ko-KR" sz="2800" b="0" i="0" smtClean="0">
+                          <a:rPr lang="en-US" altLang="ko-KR" sz="2800" b="0" i="1" smtClean="0">
                             <a:latin typeface="Cambria Math" panose="02040503050406030204" pitchFamily="18" charset="0"/>
                             <a:ea typeface="Cambria Math" panose="02040503050406030204" pitchFamily="18" charset="0"/>
                           </a:rPr>
@@ -11002,14 +11028,7 @@
                             <a:latin typeface="Cambria Math" panose="02040503050406030204" pitchFamily="18" charset="0"/>
                             <a:ea typeface="Cambria Math" panose="02040503050406030204" pitchFamily="18" charset="0"/>
                           </a:rPr>
-                          <m:t>≥</m:t>
-                        </m:r>
-                        <m:r>
-                          <a:rPr lang="en-US" altLang="ko-KR" sz="2800" b="0" i="1" smtClean="0">
-                            <a:latin typeface="Cambria Math" panose="02040503050406030204" pitchFamily="18" charset="0"/>
-                            <a:ea typeface="Cambria Math" panose="02040503050406030204" pitchFamily="18" charset="0"/>
-                          </a:rPr>
-                          <m:t>0</m:t>
+                          <m:t>≥0</m:t>
                         </m:r>
                       </m:e>
                     </m:d>
@@ -11031,16 +11050,21 @@
                 </a:r>
                 <a:r>
                   <a:rPr lang="en-US" altLang="ko-KR" dirty="0"/>
-                  <a:t>creasing, </a:t>
+                  <a:t>creasing,</a:t>
                 </a:r>
                 <a14:m>
                   <m:oMath xmlns:m="http://schemas.openxmlformats.org/officeDocument/2006/math">
                     <m:r>
-                      <a:rPr lang="en-US" altLang="ko-KR" sz="2800" b="0" i="1" smtClean="0">
+                      <a:rPr lang="en-US" altLang="ko-KR" b="0" i="0" smtClean="0">
                         <a:latin typeface="Cambria Math" panose="02040503050406030204" pitchFamily="18" charset="0"/>
-                        <a:ea typeface="Cambria Math" panose="02040503050406030204" pitchFamily="18" charset="0"/>
                       </a:rPr>
-                      <m:t>𝜕</m:t>
+                      <m:t>   </m:t>
+                    </m:r>
+                    <m:r>
+                      <a:rPr lang="ko-KR" altLang="en-US" i="1">
+                        <a:latin typeface="Cambria Math" panose="02040503050406030204" pitchFamily="18" charset="0"/>
+                      </a:rPr>
+                      <m:t>𝛼</m:t>
                     </m:r>
                     <m:r>
                       <a:rPr lang="en-US" altLang="ko-KR" sz="2800" b="0" i="1" smtClean="0">
@@ -11131,20 +11155,25 @@
                   <a:rPr lang="en-US" altLang="ko-KR" sz="2800" dirty="0"/>
                   <a:t>By making a, b minimize,</a:t>
                 </a:r>
-                <a:r>
-                  <a:rPr lang="en-US" altLang="ko-KR" sz="2800" b="0" dirty="0">
-                    <a:ea typeface="Cambria Math" panose="02040503050406030204" pitchFamily="18" charset="0"/>
-                  </a:rPr>
-                  <a:t> </a:t>
-                </a:r>
                 <a14:m>
                   <m:oMath xmlns:m="http://schemas.openxmlformats.org/officeDocument/2006/math">
                     <m:r>
-                      <a:rPr lang="en-US" altLang="ko-KR" sz="2800" b="0" i="1" smtClean="0">
+                      <a:rPr lang="en-US" altLang="ko-KR" b="0" i="0" smtClean="0">
                         <a:latin typeface="Cambria Math" panose="02040503050406030204" pitchFamily="18" charset="0"/>
-                        <a:ea typeface="Cambria Math" panose="02040503050406030204" pitchFamily="18" charset="0"/>
                       </a:rPr>
-                      <m:t>𝜕</m:t>
+                      <m:t>  </m:t>
+                    </m:r>
+                    <m:r>
+                      <a:rPr lang="en-US" altLang="ko-KR" b="0" i="1" smtClean="0">
+                        <a:latin typeface="Cambria Math" panose="02040503050406030204" pitchFamily="18" charset="0"/>
+                      </a:rPr>
+                      <m:t> </m:t>
+                    </m:r>
+                    <m:r>
+                      <a:rPr lang="ko-KR" altLang="en-US" i="1">
+                        <a:latin typeface="Cambria Math" panose="02040503050406030204" pitchFamily="18" charset="0"/>
+                      </a:rPr>
+                      <m:t>𝛼</m:t>
                     </m:r>
                     <m:r>
                       <a:rPr lang="en-US" altLang="ko-KR" sz="2800" b="0" i="1" smtClean="0">

--- a/2-2_Regularization.pptx
+++ b/2-2_Regularization.pptx
@@ -271,7 +271,7 @@
           <a:p>
             <a:fld id="{E3FC4A22-71F5-486E-8512-5F9DA9676D58}" type="datetimeFigureOut">
               <a:rPr lang="ko-KR" altLang="en-US" smtClean="0"/>
-              <a:t>2022-03-31</a:t>
+              <a:t>2022-04-09</a:t>
             </a:fld>
             <a:endParaRPr lang="ko-KR" altLang="en-US"/>
           </a:p>
@@ -469,7 +469,7 @@
           <a:p>
             <a:fld id="{E3FC4A22-71F5-486E-8512-5F9DA9676D58}" type="datetimeFigureOut">
               <a:rPr lang="ko-KR" altLang="en-US" smtClean="0"/>
-              <a:t>2022-03-31</a:t>
+              <a:t>2022-04-09</a:t>
             </a:fld>
             <a:endParaRPr lang="ko-KR" altLang="en-US"/>
           </a:p>
@@ -677,7 +677,7 @@
           <a:p>
             <a:fld id="{E3FC4A22-71F5-486E-8512-5F9DA9676D58}" type="datetimeFigureOut">
               <a:rPr lang="ko-KR" altLang="en-US" smtClean="0"/>
-              <a:t>2022-03-31</a:t>
+              <a:t>2022-04-09</a:t>
             </a:fld>
             <a:endParaRPr lang="ko-KR" altLang="en-US"/>
           </a:p>
@@ -875,7 +875,7 @@
           <a:p>
             <a:fld id="{E3FC4A22-71F5-486E-8512-5F9DA9676D58}" type="datetimeFigureOut">
               <a:rPr lang="ko-KR" altLang="en-US" smtClean="0"/>
-              <a:t>2022-03-31</a:t>
+              <a:t>2022-04-09</a:t>
             </a:fld>
             <a:endParaRPr lang="ko-KR" altLang="en-US"/>
           </a:p>
@@ -1150,7 +1150,7 @@
           <a:p>
             <a:fld id="{E3FC4A22-71F5-486E-8512-5F9DA9676D58}" type="datetimeFigureOut">
               <a:rPr lang="ko-KR" altLang="en-US" smtClean="0"/>
-              <a:t>2022-03-31</a:t>
+              <a:t>2022-04-09</a:t>
             </a:fld>
             <a:endParaRPr lang="ko-KR" altLang="en-US"/>
           </a:p>
@@ -1415,7 +1415,7 @@
           <a:p>
             <a:fld id="{E3FC4A22-71F5-486E-8512-5F9DA9676D58}" type="datetimeFigureOut">
               <a:rPr lang="ko-KR" altLang="en-US" smtClean="0"/>
-              <a:t>2022-03-31</a:t>
+              <a:t>2022-04-09</a:t>
             </a:fld>
             <a:endParaRPr lang="ko-KR" altLang="en-US"/>
           </a:p>
@@ -1827,7 +1827,7 @@
           <a:p>
             <a:fld id="{E3FC4A22-71F5-486E-8512-5F9DA9676D58}" type="datetimeFigureOut">
               <a:rPr lang="ko-KR" altLang="en-US" smtClean="0"/>
-              <a:t>2022-03-31</a:t>
+              <a:t>2022-04-09</a:t>
             </a:fld>
             <a:endParaRPr lang="ko-KR" altLang="en-US"/>
           </a:p>
@@ -1968,7 +1968,7 @@
           <a:p>
             <a:fld id="{E3FC4A22-71F5-486E-8512-5F9DA9676D58}" type="datetimeFigureOut">
               <a:rPr lang="ko-KR" altLang="en-US" smtClean="0"/>
-              <a:t>2022-03-31</a:t>
+              <a:t>2022-04-09</a:t>
             </a:fld>
             <a:endParaRPr lang="ko-KR" altLang="en-US"/>
           </a:p>
@@ -2081,7 +2081,7 @@
           <a:p>
             <a:fld id="{E3FC4A22-71F5-486E-8512-5F9DA9676D58}" type="datetimeFigureOut">
               <a:rPr lang="ko-KR" altLang="en-US" smtClean="0"/>
-              <a:t>2022-03-31</a:t>
+              <a:t>2022-04-09</a:t>
             </a:fld>
             <a:endParaRPr lang="ko-KR" altLang="en-US"/>
           </a:p>
@@ -2392,7 +2392,7 @@
           <a:p>
             <a:fld id="{E3FC4A22-71F5-486E-8512-5F9DA9676D58}" type="datetimeFigureOut">
               <a:rPr lang="ko-KR" altLang="en-US" smtClean="0"/>
-              <a:t>2022-03-31</a:t>
+              <a:t>2022-04-09</a:t>
             </a:fld>
             <a:endParaRPr lang="ko-KR" altLang="en-US"/>
           </a:p>
@@ -2680,7 +2680,7 @@
           <a:p>
             <a:fld id="{E3FC4A22-71F5-486E-8512-5F9DA9676D58}" type="datetimeFigureOut">
               <a:rPr lang="ko-KR" altLang="en-US" smtClean="0"/>
-              <a:t>2022-03-31</a:t>
+              <a:t>2022-04-09</a:t>
             </a:fld>
             <a:endParaRPr lang="ko-KR" altLang="en-US"/>
           </a:p>
@@ -2921,7 +2921,7 @@
           <a:p>
             <a:fld id="{E3FC4A22-71F5-486E-8512-5F9DA9676D58}" type="datetimeFigureOut">
               <a:rPr lang="ko-KR" altLang="en-US" smtClean="0"/>
-              <a:t>2022-03-31</a:t>
+              <a:t>2022-04-09</a:t>
             </a:fld>
             <a:endParaRPr lang="ko-KR" altLang="en-US"/>
           </a:p>
@@ -3655,8 +3655,8 @@
           <a:chExt cx="0" cy="0"/>
         </a:xfrm>
       </p:grpSpPr>
-      <mc:AlternateContent xmlns:mc="http://schemas.openxmlformats.org/markup-compatibility/2006">
-        <mc:Choice xmlns:a14="http://schemas.microsoft.com/office/drawing/2010/main" Requires="a14">
+      <mc:AlternateContent xmlns:mc="http://schemas.openxmlformats.org/markup-compatibility/2006" xmlns:a14="http://schemas.microsoft.com/office/drawing/2010/main">
+        <mc:Choice Requires="a14">
           <p:sp>
             <p:nvSpPr>
               <p:cNvPr id="2" name="제목 1">
@@ -3703,7 +3703,7 @@
             </p:txBody>
           </p:sp>
         </mc:Choice>
-        <mc:Fallback>
+        <mc:Fallback xmlns="">
           <p:sp>
             <p:nvSpPr>
               <p:cNvPr id="2" name="제목 1">
@@ -3743,8 +3743,8 @@
           </p:sp>
         </mc:Fallback>
       </mc:AlternateContent>
-      <mc:AlternateContent xmlns:mc="http://schemas.openxmlformats.org/markup-compatibility/2006">
-        <mc:Choice xmlns:a14="http://schemas.microsoft.com/office/drawing/2010/main" Requires="a14">
+      <mc:AlternateContent xmlns:mc="http://schemas.openxmlformats.org/markup-compatibility/2006" xmlns:a14="http://schemas.microsoft.com/office/drawing/2010/main">
+        <mc:Choice Requires="a14">
           <p:sp>
             <p:nvSpPr>
               <p:cNvPr id="3" name="내용 개체 틀 2">
@@ -3901,7 +3901,7 @@
             </p:txBody>
           </p:sp>
         </mc:Choice>
-        <mc:Fallback>
+        <mc:Fallback xmlns="">
           <p:sp>
             <p:nvSpPr>
               <p:cNvPr id="3" name="내용 개체 틀 2">
@@ -4220,8 +4220,8 @@
           </a:p>
         </p:txBody>
       </p:sp>
-      <mc:AlternateContent xmlns:mc="http://schemas.openxmlformats.org/markup-compatibility/2006">
-        <mc:Choice xmlns:a14="http://schemas.microsoft.com/office/drawing/2010/main" Requires="a14">
+      <mc:AlternateContent xmlns:mc="http://schemas.openxmlformats.org/markup-compatibility/2006" xmlns:a14="http://schemas.microsoft.com/office/drawing/2010/main">
+        <mc:Choice Requires="a14">
           <p:sp>
             <p:nvSpPr>
               <p:cNvPr id="3" name="내용 개체 틀 2">
@@ -4530,7 +4530,7 @@
             </p:txBody>
           </p:sp>
         </mc:Choice>
-        <mc:Fallback>
+        <mc:Fallback xmlns="">
           <p:sp>
             <p:nvSpPr>
               <p:cNvPr id="3" name="내용 개체 틀 2">
@@ -10348,8 +10348,8 @@
           </a:p>
         </p:txBody>
       </p:sp>
-      <mc:AlternateContent xmlns:mc="http://schemas.openxmlformats.org/markup-compatibility/2006">
-        <mc:Choice xmlns:a14="http://schemas.microsoft.com/office/drawing/2010/main" Requires="a14">
+      <mc:AlternateContent xmlns:mc="http://schemas.openxmlformats.org/markup-compatibility/2006" xmlns:a14="http://schemas.microsoft.com/office/drawing/2010/main">
+        <mc:Choice Requires="a14">
           <p:sp>
             <p:nvSpPr>
               <p:cNvPr id="3" name="내용 개체 틀 2">
@@ -11266,7 +11266,7 @@
             </p:txBody>
           </p:sp>
         </mc:Choice>
-        <mc:Fallback>
+        <mc:Fallback xmlns="">
           <p:sp>
             <p:nvSpPr>
               <p:cNvPr id="3" name="내용 개체 틀 2">

--- a/2-2_Regularization.pptx
+++ b/2-2_Regularization.pptx
@@ -271,7 +271,7 @@
           <a:p>
             <a:fld id="{E3FC4A22-71F5-486E-8512-5F9DA9676D58}" type="datetimeFigureOut">
               <a:rPr lang="ko-KR" altLang="en-US" smtClean="0"/>
-              <a:t>2022-04-09</a:t>
+              <a:t>2022-04-11</a:t>
             </a:fld>
             <a:endParaRPr lang="ko-KR" altLang="en-US"/>
           </a:p>
@@ -469,7 +469,7 @@
           <a:p>
             <a:fld id="{E3FC4A22-71F5-486E-8512-5F9DA9676D58}" type="datetimeFigureOut">
               <a:rPr lang="ko-KR" altLang="en-US" smtClean="0"/>
-              <a:t>2022-04-09</a:t>
+              <a:t>2022-04-11</a:t>
             </a:fld>
             <a:endParaRPr lang="ko-KR" altLang="en-US"/>
           </a:p>
@@ -677,7 +677,7 @@
           <a:p>
             <a:fld id="{E3FC4A22-71F5-486E-8512-5F9DA9676D58}" type="datetimeFigureOut">
               <a:rPr lang="ko-KR" altLang="en-US" smtClean="0"/>
-              <a:t>2022-04-09</a:t>
+              <a:t>2022-04-11</a:t>
             </a:fld>
             <a:endParaRPr lang="ko-KR" altLang="en-US"/>
           </a:p>
@@ -875,7 +875,7 @@
           <a:p>
             <a:fld id="{E3FC4A22-71F5-486E-8512-5F9DA9676D58}" type="datetimeFigureOut">
               <a:rPr lang="ko-KR" altLang="en-US" smtClean="0"/>
-              <a:t>2022-04-09</a:t>
+              <a:t>2022-04-11</a:t>
             </a:fld>
             <a:endParaRPr lang="ko-KR" altLang="en-US"/>
           </a:p>
@@ -1150,7 +1150,7 @@
           <a:p>
             <a:fld id="{E3FC4A22-71F5-486E-8512-5F9DA9676D58}" type="datetimeFigureOut">
               <a:rPr lang="ko-KR" altLang="en-US" smtClean="0"/>
-              <a:t>2022-04-09</a:t>
+              <a:t>2022-04-11</a:t>
             </a:fld>
             <a:endParaRPr lang="ko-KR" altLang="en-US"/>
           </a:p>
@@ -1415,7 +1415,7 @@
           <a:p>
             <a:fld id="{E3FC4A22-71F5-486E-8512-5F9DA9676D58}" type="datetimeFigureOut">
               <a:rPr lang="ko-KR" altLang="en-US" smtClean="0"/>
-              <a:t>2022-04-09</a:t>
+              <a:t>2022-04-11</a:t>
             </a:fld>
             <a:endParaRPr lang="ko-KR" altLang="en-US"/>
           </a:p>
@@ -1827,7 +1827,7 @@
           <a:p>
             <a:fld id="{E3FC4A22-71F5-486E-8512-5F9DA9676D58}" type="datetimeFigureOut">
               <a:rPr lang="ko-KR" altLang="en-US" smtClean="0"/>
-              <a:t>2022-04-09</a:t>
+              <a:t>2022-04-11</a:t>
             </a:fld>
             <a:endParaRPr lang="ko-KR" altLang="en-US"/>
           </a:p>
@@ -1968,7 +1968,7 @@
           <a:p>
             <a:fld id="{E3FC4A22-71F5-486E-8512-5F9DA9676D58}" type="datetimeFigureOut">
               <a:rPr lang="ko-KR" altLang="en-US" smtClean="0"/>
-              <a:t>2022-04-09</a:t>
+              <a:t>2022-04-11</a:t>
             </a:fld>
             <a:endParaRPr lang="ko-KR" altLang="en-US"/>
           </a:p>
@@ -2081,7 +2081,7 @@
           <a:p>
             <a:fld id="{E3FC4A22-71F5-486E-8512-5F9DA9676D58}" type="datetimeFigureOut">
               <a:rPr lang="ko-KR" altLang="en-US" smtClean="0"/>
-              <a:t>2022-04-09</a:t>
+              <a:t>2022-04-11</a:t>
             </a:fld>
             <a:endParaRPr lang="ko-KR" altLang="en-US"/>
           </a:p>
@@ -2392,7 +2392,7 @@
           <a:p>
             <a:fld id="{E3FC4A22-71F5-486E-8512-5F9DA9676D58}" type="datetimeFigureOut">
               <a:rPr lang="ko-KR" altLang="en-US" smtClean="0"/>
-              <a:t>2022-04-09</a:t>
+              <a:t>2022-04-11</a:t>
             </a:fld>
             <a:endParaRPr lang="ko-KR" altLang="en-US"/>
           </a:p>
@@ -2680,7 +2680,7 @@
           <a:p>
             <a:fld id="{E3FC4A22-71F5-486E-8512-5F9DA9676D58}" type="datetimeFigureOut">
               <a:rPr lang="ko-KR" altLang="en-US" smtClean="0"/>
-              <a:t>2022-04-09</a:t>
+              <a:t>2022-04-11</a:t>
             </a:fld>
             <a:endParaRPr lang="ko-KR" altLang="en-US"/>
           </a:p>
@@ -2921,7 +2921,7 @@
           <a:p>
             <a:fld id="{E3FC4A22-71F5-486E-8512-5F9DA9676D58}" type="datetimeFigureOut">
               <a:rPr lang="ko-KR" altLang="en-US" smtClean="0"/>
-              <a:t>2022-04-09</a:t>
+              <a:t>2022-04-11</a:t>
             </a:fld>
             <a:endParaRPr lang="ko-KR" altLang="en-US"/>
           </a:p>
@@ -3743,8 +3743,8 @@
           </p:sp>
         </mc:Fallback>
       </mc:AlternateContent>
-      <mc:AlternateContent xmlns:mc="http://schemas.openxmlformats.org/markup-compatibility/2006" xmlns:a14="http://schemas.microsoft.com/office/drawing/2010/main">
-        <mc:Choice Requires="a14">
+      <mc:AlternateContent xmlns:mc="http://schemas.openxmlformats.org/markup-compatibility/2006">
+        <mc:Choice xmlns:a14="http://schemas.microsoft.com/office/drawing/2010/main" Requires="a14">
           <p:sp>
             <p:nvSpPr>
               <p:cNvPr id="3" name="내용 개체 틀 2">
@@ -3772,28 +3772,21 @@
                       <a:srgbClr val="000000"/>
                     </a:solidFill>
                     <a:effectLst/>
-                    <a:latin typeface="noto"/>
                   </a:rPr>
                   <a:t>If the</a:t>
                 </a:r>
                 <a14:m>
                   <m:oMath xmlns:m="http://schemas.openxmlformats.org/officeDocument/2006/math">
                     <m:r>
-                      <a:rPr lang="en-US" altLang="ko-KR" b="0" i="0" smtClean="0">
-                        <a:latin typeface="Cambria Math" panose="02040503050406030204" pitchFamily="18" charset="0"/>
-                      </a:rPr>
+                      <a:rPr lang="en-US" altLang="ko-KR" b="0" i="0" smtClean="0"/>
                       <m:t> </m:t>
                     </m:r>
                     <m:r>
-                      <a:rPr lang="ko-KR" altLang="en-US" i="1">
-                        <a:latin typeface="Cambria Math" panose="02040503050406030204" pitchFamily="18" charset="0"/>
-                      </a:rPr>
+                      <a:rPr lang="ko-KR" altLang="en-US" i="1"/>
                       <m:t>𝛼</m:t>
                     </m:r>
                     <m:r>
-                      <a:rPr lang="en-US" altLang="ko-KR" b="0" i="1" smtClean="0">
-                        <a:latin typeface="Cambria Math" panose="02040503050406030204" pitchFamily="18" charset="0"/>
-                      </a:rPr>
+                      <a:rPr lang="en-US" altLang="ko-KR" b="0" i="1" smtClean="0"/>
                       <m:t> </m:t>
                     </m:r>
                   </m:oMath>
@@ -3804,7 +3797,6 @@
                       <a:srgbClr val="000000"/>
                     </a:solidFill>
                     <a:effectLst/>
-                    <a:latin typeface="noto"/>
                   </a:rPr>
                   <a:t>value is large, the increase in learning parameters decreases and the graph shape becomes simple.</a:t>
                 </a:r>
@@ -3816,28 +3808,21 @@
                       <a:srgbClr val="000000"/>
                     </a:solidFill>
                     <a:effectLst/>
-                    <a:latin typeface="noto"/>
                   </a:rPr>
                   <a:t>Conversely, if the</a:t>
                 </a:r>
                 <a14:m>
                   <m:oMath xmlns:m="http://schemas.openxmlformats.org/officeDocument/2006/math">
                     <m:r>
-                      <a:rPr lang="en-US" altLang="ko-KR" b="0" i="0" smtClean="0">
-                        <a:latin typeface="Cambria Math" panose="02040503050406030204" pitchFamily="18" charset="0"/>
-                      </a:rPr>
+                      <a:rPr lang="en-US" altLang="ko-KR" b="0" i="0" smtClean="0"/>
                       <m:t> </m:t>
                     </m:r>
                     <m:r>
-                      <a:rPr lang="ko-KR" altLang="en-US" i="1">
-                        <a:latin typeface="Cambria Math" panose="02040503050406030204" pitchFamily="18" charset="0"/>
-                      </a:rPr>
+                      <a:rPr lang="ko-KR" altLang="en-US" i="1"/>
                       <m:t>𝛼</m:t>
                     </m:r>
                     <m:r>
-                      <a:rPr lang="en-US" altLang="ko-KR" b="0" i="1" smtClean="0">
-                        <a:latin typeface="Cambria Math" panose="02040503050406030204" pitchFamily="18" charset="0"/>
-                      </a:rPr>
+                      <a:rPr lang="en-US" altLang="ko-KR" b="0" i="1" smtClean="0"/>
                       <m:t> </m:t>
                     </m:r>
                   </m:oMath>
@@ -3848,7 +3833,6 @@
                       <a:srgbClr val="000000"/>
                     </a:solidFill>
                     <a:effectLst/>
-                    <a:latin typeface="noto"/>
                   </a:rPr>
                   <a:t>value is small, a penalty when the absolute value of the learning parameter increases is hardly given, making the model complicated.</a:t>
                 </a:r>
@@ -3860,28 +3844,21 @@
                       <a:srgbClr val="000000"/>
                     </a:solidFill>
                     <a:effectLst/>
-                    <a:latin typeface="noto"/>
                   </a:rPr>
                   <a:t>If</a:t>
                 </a:r>
                 <a14:m>
                   <m:oMath xmlns:m="http://schemas.openxmlformats.org/officeDocument/2006/math">
                     <m:r>
-                      <a:rPr lang="en-US" altLang="ko-KR" b="0" i="0" smtClean="0">
-                        <a:latin typeface="Cambria Math" panose="02040503050406030204" pitchFamily="18" charset="0"/>
-                      </a:rPr>
+                      <a:rPr lang="en-US" altLang="ko-KR" b="0" i="0" smtClean="0"/>
                       <m:t> </m:t>
                     </m:r>
                     <m:r>
-                      <a:rPr lang="ko-KR" altLang="en-US" i="1">
-                        <a:latin typeface="Cambria Math" panose="02040503050406030204" pitchFamily="18" charset="0"/>
-                      </a:rPr>
+                      <a:rPr lang="ko-KR" altLang="en-US" i="1"/>
                       <m:t>𝛼</m:t>
                     </m:r>
                     <m:r>
-                      <a:rPr lang="en-US" altLang="ko-KR" b="0" i="1" smtClean="0">
-                        <a:latin typeface="Cambria Math" panose="02040503050406030204" pitchFamily="18" charset="0"/>
-                      </a:rPr>
+                      <a:rPr lang="en-US" altLang="ko-KR" b="0" i="1" smtClean="0"/>
                       <m:t> </m:t>
                     </m:r>
                   </m:oMath>
@@ -3892,7 +3869,6 @@
                       <a:srgbClr val="000000"/>
                     </a:solidFill>
                     <a:effectLst/>
-                    <a:latin typeface="noto"/>
                   </a:rPr>
                   <a:t>= 0, it is the same state as linear regression without normalization.</a:t>
                 </a:r>
@@ -3901,7 +3877,7 @@
             </p:txBody>
           </p:sp>
         </mc:Choice>
-        <mc:Fallback xmlns="">
+        <mc:Fallback>
           <p:sp>
             <p:nvSpPr>
               <p:cNvPr id="3" name="내용 개체 틀 2">
@@ -3922,7 +3898,7 @@
               <a:blipFill>
                 <a:blip r:embed="rId3"/>
                 <a:stretch>
-                  <a:fillRect l="-1043" t="-2241" r="-2087"/>
+                  <a:fillRect l="-1043" t="-2381"/>
                 </a:stretch>
               </a:blipFill>
             </p:spPr>
@@ -4220,8 +4196,8 @@
           </a:p>
         </p:txBody>
       </p:sp>
-      <mc:AlternateContent xmlns:mc="http://schemas.openxmlformats.org/markup-compatibility/2006" xmlns:a14="http://schemas.microsoft.com/office/drawing/2010/main">
-        <mc:Choice Requires="a14">
+      <mc:AlternateContent xmlns:mc="http://schemas.openxmlformats.org/markup-compatibility/2006">
+        <mc:Choice xmlns:a14="http://schemas.microsoft.com/office/drawing/2010/main" Requires="a14">
           <p:sp>
             <p:nvSpPr>
               <p:cNvPr id="3" name="내용 개체 틀 2">
@@ -4515,13 +4491,41 @@
               <a:p>
                 <a:r>
                   <a:rPr lang="en-US" altLang="ko-KR" dirty="0"/>
-                  <a:t>In LASSO regression, there is a difference that the b learning parameter is 0 at optimum solution</a:t>
+                  <a:t>In LASSO regression, there is a difference that the </a:t>
+                </a:r>
+                <a14:m>
+                  <m:oMath xmlns:m="http://schemas.openxmlformats.org/officeDocument/2006/math">
+                    <m:r>
+                      <a:rPr lang="en-US" altLang="ko-KR" i="1" dirty="0" smtClean="0">
+                        <a:latin typeface="Cambria Math" panose="02040503050406030204" pitchFamily="18" charset="0"/>
+                      </a:rPr>
+                      <m:t>𝑏</m:t>
+                    </m:r>
+                  </m:oMath>
+                </a14:m>
+                <a:r>
+                  <a:rPr lang="en-US" altLang="ko-KR" dirty="0"/>
+                  <a:t> learning parameter is 0 at optimum solution</a:t>
                 </a:r>
               </a:p>
               <a:p>
                 <a:r>
                   <a:rPr lang="en-US" altLang="ko-KR" dirty="0"/>
-                  <a:t>Therefore, in LASSO regression, the b parameter tends to become 0</a:t>
+                  <a:t>Therefore, in LASSO regression, the </a:t>
+                </a:r>
+                <a14:m>
+                  <m:oMath xmlns:m="http://schemas.openxmlformats.org/officeDocument/2006/math">
+                    <m:r>
+                      <a:rPr lang="en-US" altLang="ko-KR" i="1" dirty="0" smtClean="0">
+                        <a:latin typeface="Cambria Math" panose="02040503050406030204" pitchFamily="18" charset="0"/>
+                      </a:rPr>
+                      <m:t>𝑏</m:t>
+                    </m:r>
+                  </m:oMath>
+                </a14:m>
+                <a:r>
+                  <a:rPr lang="en-US" altLang="ko-KR" dirty="0"/>
+                  <a:t> parameter tends to become 0</a:t>
                 </a:r>
               </a:p>
               <a:p>
@@ -4530,7 +4534,7 @@
             </p:txBody>
           </p:sp>
         </mc:Choice>
-        <mc:Fallback xmlns="">
+        <mc:Fallback>
           <p:sp>
             <p:nvSpPr>
               <p:cNvPr id="3" name="내용 개체 틀 2">
@@ -4551,7 +4555,7 @@
               <a:blipFill>
                 <a:blip r:embed="rId2"/>
                 <a:stretch>
-                  <a:fillRect l="-1043" r="-232"/>
+                  <a:fillRect l="-1043" r="-116"/>
                 </a:stretch>
               </a:blipFill>
             </p:spPr>

--- a/2-2_Regularization.pptx
+++ b/2-2_Regularization.pptx
@@ -271,7 +271,7 @@
           <a:p>
             <a:fld id="{E3FC4A22-71F5-486E-8512-5F9DA9676D58}" type="datetimeFigureOut">
               <a:rPr lang="ko-KR" altLang="en-US" smtClean="0"/>
-              <a:t>2022-04-11</a:t>
+              <a:t>2022-04-12</a:t>
             </a:fld>
             <a:endParaRPr lang="ko-KR" altLang="en-US"/>
           </a:p>
@@ -469,7 +469,7 @@
           <a:p>
             <a:fld id="{E3FC4A22-71F5-486E-8512-5F9DA9676D58}" type="datetimeFigureOut">
               <a:rPr lang="ko-KR" altLang="en-US" smtClean="0"/>
-              <a:t>2022-04-11</a:t>
+              <a:t>2022-04-12</a:t>
             </a:fld>
             <a:endParaRPr lang="ko-KR" altLang="en-US"/>
           </a:p>
@@ -677,7 +677,7 @@
           <a:p>
             <a:fld id="{E3FC4A22-71F5-486E-8512-5F9DA9676D58}" type="datetimeFigureOut">
               <a:rPr lang="ko-KR" altLang="en-US" smtClean="0"/>
-              <a:t>2022-04-11</a:t>
+              <a:t>2022-04-12</a:t>
             </a:fld>
             <a:endParaRPr lang="ko-KR" altLang="en-US"/>
           </a:p>
@@ -875,7 +875,7 @@
           <a:p>
             <a:fld id="{E3FC4A22-71F5-486E-8512-5F9DA9676D58}" type="datetimeFigureOut">
               <a:rPr lang="ko-KR" altLang="en-US" smtClean="0"/>
-              <a:t>2022-04-11</a:t>
+              <a:t>2022-04-12</a:t>
             </a:fld>
             <a:endParaRPr lang="ko-KR" altLang="en-US"/>
           </a:p>
@@ -1150,7 +1150,7 @@
           <a:p>
             <a:fld id="{E3FC4A22-71F5-486E-8512-5F9DA9676D58}" type="datetimeFigureOut">
               <a:rPr lang="ko-KR" altLang="en-US" smtClean="0"/>
-              <a:t>2022-04-11</a:t>
+              <a:t>2022-04-12</a:t>
             </a:fld>
             <a:endParaRPr lang="ko-KR" altLang="en-US"/>
           </a:p>
@@ -1415,7 +1415,7 @@
           <a:p>
             <a:fld id="{E3FC4A22-71F5-486E-8512-5F9DA9676D58}" type="datetimeFigureOut">
               <a:rPr lang="ko-KR" altLang="en-US" smtClean="0"/>
-              <a:t>2022-04-11</a:t>
+              <a:t>2022-04-12</a:t>
             </a:fld>
             <a:endParaRPr lang="ko-KR" altLang="en-US"/>
           </a:p>
@@ -1827,7 +1827,7 @@
           <a:p>
             <a:fld id="{E3FC4A22-71F5-486E-8512-5F9DA9676D58}" type="datetimeFigureOut">
               <a:rPr lang="ko-KR" altLang="en-US" smtClean="0"/>
-              <a:t>2022-04-11</a:t>
+              <a:t>2022-04-12</a:t>
             </a:fld>
             <a:endParaRPr lang="ko-KR" altLang="en-US"/>
           </a:p>
@@ -1968,7 +1968,7 @@
           <a:p>
             <a:fld id="{E3FC4A22-71F5-486E-8512-5F9DA9676D58}" type="datetimeFigureOut">
               <a:rPr lang="ko-KR" altLang="en-US" smtClean="0"/>
-              <a:t>2022-04-11</a:t>
+              <a:t>2022-04-12</a:t>
             </a:fld>
             <a:endParaRPr lang="ko-KR" altLang="en-US"/>
           </a:p>
@@ -2081,7 +2081,7 @@
           <a:p>
             <a:fld id="{E3FC4A22-71F5-486E-8512-5F9DA9676D58}" type="datetimeFigureOut">
               <a:rPr lang="ko-KR" altLang="en-US" smtClean="0"/>
-              <a:t>2022-04-11</a:t>
+              <a:t>2022-04-12</a:t>
             </a:fld>
             <a:endParaRPr lang="ko-KR" altLang="en-US"/>
           </a:p>
@@ -2392,7 +2392,7 @@
           <a:p>
             <a:fld id="{E3FC4A22-71F5-486E-8512-5F9DA9676D58}" type="datetimeFigureOut">
               <a:rPr lang="ko-KR" altLang="en-US" smtClean="0"/>
-              <a:t>2022-04-11</a:t>
+              <a:t>2022-04-12</a:t>
             </a:fld>
             <a:endParaRPr lang="ko-KR" altLang="en-US"/>
           </a:p>
@@ -2680,7 +2680,7 @@
           <a:p>
             <a:fld id="{E3FC4A22-71F5-486E-8512-5F9DA9676D58}" type="datetimeFigureOut">
               <a:rPr lang="ko-KR" altLang="en-US" smtClean="0"/>
-              <a:t>2022-04-11</a:t>
+              <a:t>2022-04-12</a:t>
             </a:fld>
             <a:endParaRPr lang="ko-KR" altLang="en-US"/>
           </a:p>
@@ -2921,7 +2921,7 @@
           <a:p>
             <a:fld id="{E3FC4A22-71F5-486E-8512-5F9DA9676D58}" type="datetimeFigureOut">
               <a:rPr lang="ko-KR" altLang="en-US" smtClean="0"/>
-              <a:t>2022-04-11</a:t>
+              <a:t>2022-04-12</a:t>
             </a:fld>
             <a:endParaRPr lang="ko-KR" altLang="en-US"/>
           </a:p>
@@ -3431,6 +3431,52 @@
           </a:prstGeom>
         </p:spPr>
       </p:pic>
+      <p:sp>
+        <p:nvSpPr>
+          <p:cNvPr id="5" name="TextBox 4">
+            <a:extLst>
+              <a:ext uri="{FF2B5EF4-FFF2-40B4-BE49-F238E27FC236}">
+                <a16:creationId xmlns:a16="http://schemas.microsoft.com/office/drawing/2014/main" id="{949FE3E3-7358-4C11-8798-66570DF0002A}"/>
+              </a:ext>
+            </a:extLst>
+          </p:cNvPr>
+          <p:cNvSpPr txBox="1"/>
+          <p:nvPr/>
+        </p:nvSpPr>
+        <p:spPr>
+          <a:xfrm>
+            <a:off x="0" y="6211669"/>
+            <a:ext cx="2805576" cy="646331"/>
+          </a:xfrm>
+          <a:prstGeom prst="rect">
+            <a:avLst/>
+          </a:prstGeom>
+          <a:noFill/>
+        </p:spPr>
+        <p:txBody>
+          <a:bodyPr wrap="none" rtlCol="0">
+            <a:spAutoFit/>
+          </a:bodyPr>
+          <a:lstStyle/>
+          <a:p>
+            <a:r>
+              <a:rPr lang="ko-KR" altLang="en-US" dirty="0"/>
+              <a:t>경희대학교 컴퓨터공학과</a:t>
+            </a:r>
+            <a:endParaRPr lang="en-US" altLang="ko-KR" dirty="0"/>
+          </a:p>
+          <a:p>
+            <a:r>
+              <a:rPr lang="en-US" altLang="ko-KR" dirty="0"/>
+              <a:t>2019102191 </a:t>
+            </a:r>
+            <a:r>
+              <a:rPr lang="ko-KR" altLang="en-US" dirty="0"/>
+              <a:t>신주영</a:t>
+            </a:r>
+          </a:p>
+        </p:txBody>
+      </p:sp>
     </p:spTree>
     <p:extLst>
       <p:ext uri="{BB962C8B-B14F-4D97-AF65-F5344CB8AC3E}">
@@ -3743,8 +3789,8 @@
           </p:sp>
         </mc:Fallback>
       </mc:AlternateContent>
-      <mc:AlternateContent xmlns:mc="http://schemas.openxmlformats.org/markup-compatibility/2006">
-        <mc:Choice xmlns:a14="http://schemas.microsoft.com/office/drawing/2010/main" Requires="a14">
+      <mc:AlternateContent xmlns:mc="http://schemas.openxmlformats.org/markup-compatibility/2006" xmlns:a14="http://schemas.microsoft.com/office/drawing/2010/main">
+        <mc:Choice Requires="a14">
           <p:sp>
             <p:nvSpPr>
               <p:cNvPr id="3" name="내용 개체 틀 2">
@@ -3778,15 +3824,21 @@
                 <a14:m>
                   <m:oMath xmlns:m="http://schemas.openxmlformats.org/officeDocument/2006/math">
                     <m:r>
-                      <a:rPr lang="en-US" altLang="ko-KR" b="0" i="0" smtClean="0"/>
+                      <a:rPr lang="en-US" altLang="ko-KR" b="0" i="0" smtClean="0">
+                        <a:latin typeface="Cambria Math" panose="02040503050406030204" pitchFamily="18" charset="0"/>
+                      </a:rPr>
                       <m:t> </m:t>
                     </m:r>
                     <m:r>
-                      <a:rPr lang="ko-KR" altLang="en-US" i="1"/>
+                      <a:rPr lang="ko-KR" altLang="en-US" i="1">
+                        <a:latin typeface="Cambria Math" panose="02040503050406030204" pitchFamily="18" charset="0"/>
+                      </a:rPr>
                       <m:t>𝛼</m:t>
                     </m:r>
                     <m:r>
-                      <a:rPr lang="en-US" altLang="ko-KR" b="0" i="1" smtClean="0"/>
+                      <a:rPr lang="en-US" altLang="ko-KR" b="0" i="1" smtClean="0">
+                        <a:latin typeface="Cambria Math" panose="02040503050406030204" pitchFamily="18" charset="0"/>
+                      </a:rPr>
                       <m:t> </m:t>
                     </m:r>
                   </m:oMath>
@@ -3814,15 +3866,21 @@
                 <a14:m>
                   <m:oMath xmlns:m="http://schemas.openxmlformats.org/officeDocument/2006/math">
                     <m:r>
-                      <a:rPr lang="en-US" altLang="ko-KR" b="0" i="0" smtClean="0"/>
+                      <a:rPr lang="en-US" altLang="ko-KR" b="0" i="0" smtClean="0">
+                        <a:latin typeface="Cambria Math" panose="02040503050406030204" pitchFamily="18" charset="0"/>
+                      </a:rPr>
                       <m:t> </m:t>
                     </m:r>
                     <m:r>
-                      <a:rPr lang="ko-KR" altLang="en-US" i="1"/>
+                      <a:rPr lang="ko-KR" altLang="en-US" i="1">
+                        <a:latin typeface="Cambria Math" panose="02040503050406030204" pitchFamily="18" charset="0"/>
+                      </a:rPr>
                       <m:t>𝛼</m:t>
                     </m:r>
                     <m:r>
-                      <a:rPr lang="en-US" altLang="ko-KR" b="0" i="1" smtClean="0"/>
+                      <a:rPr lang="en-US" altLang="ko-KR" b="0" i="1" smtClean="0">
+                        <a:latin typeface="Cambria Math" panose="02040503050406030204" pitchFamily="18" charset="0"/>
+                      </a:rPr>
                       <m:t> </m:t>
                     </m:r>
                   </m:oMath>
@@ -3850,15 +3908,21 @@
                 <a14:m>
                   <m:oMath xmlns:m="http://schemas.openxmlformats.org/officeDocument/2006/math">
                     <m:r>
-                      <a:rPr lang="en-US" altLang="ko-KR" b="0" i="0" smtClean="0"/>
+                      <a:rPr lang="en-US" altLang="ko-KR" b="0" i="0" smtClean="0">
+                        <a:latin typeface="Cambria Math" panose="02040503050406030204" pitchFamily="18" charset="0"/>
+                      </a:rPr>
                       <m:t> </m:t>
                     </m:r>
                     <m:r>
-                      <a:rPr lang="ko-KR" altLang="en-US" i="1"/>
+                      <a:rPr lang="ko-KR" altLang="en-US" i="1">
+                        <a:latin typeface="Cambria Math" panose="02040503050406030204" pitchFamily="18" charset="0"/>
+                      </a:rPr>
                       <m:t>𝛼</m:t>
                     </m:r>
                     <m:r>
-                      <a:rPr lang="en-US" altLang="ko-KR" b="0" i="1" smtClean="0"/>
+                      <a:rPr lang="en-US" altLang="ko-KR" b="0" i="1" smtClean="0">
+                        <a:latin typeface="Cambria Math" panose="02040503050406030204" pitchFamily="18" charset="0"/>
+                      </a:rPr>
                       <m:t> </m:t>
                     </m:r>
                   </m:oMath>
@@ -3877,7 +3941,7 @@
             </p:txBody>
           </p:sp>
         </mc:Choice>
-        <mc:Fallback>
+        <mc:Fallback xmlns="">
           <p:sp>
             <p:nvSpPr>
               <p:cNvPr id="3" name="내용 개체 틀 2">
@@ -4196,8 +4260,8 @@
           </a:p>
         </p:txBody>
       </p:sp>
-      <mc:AlternateContent xmlns:mc="http://schemas.openxmlformats.org/markup-compatibility/2006">
-        <mc:Choice xmlns:a14="http://schemas.microsoft.com/office/drawing/2010/main" Requires="a14">
+      <mc:AlternateContent xmlns:mc="http://schemas.openxmlformats.org/markup-compatibility/2006" xmlns:a14="http://schemas.microsoft.com/office/drawing/2010/main">
+        <mc:Choice Requires="a14">
           <p:sp>
             <p:nvSpPr>
               <p:cNvPr id="3" name="내용 개체 틀 2">
@@ -4534,7 +4598,7 @@
             </p:txBody>
           </p:sp>
         </mc:Choice>
-        <mc:Fallback>
+        <mc:Fallback xmlns="">
           <p:sp>
             <p:nvSpPr>
               <p:cNvPr id="3" name="내용 개체 틀 2">
